--- a/ppt/第6章 Redis集群环境部署.pptx
+++ b/ppt/第6章 Redis集群环境部署.pptx
@@ -26864,6 +26864,11 @@
             <p:custDataLst>
               <p:tags r:id="rId1"/>
             </p:custDataLst>
+            <p:extLst>
+              <p:ext uri="{D42A27DB-BD31-4B8C-83A1-F6EECF244321}">
+                <p14:modId xmlns:p14="http://schemas.microsoft.com/office/powerpoint/2010/main" val="3756276903"/>
+              </p:ext>
+            </p:extLst>
           </p:nvPr>
         </p:nvGraphicFramePr>
         <p:xfrm>
@@ -26986,7 +26991,7 @@
                         <a:buNone/>
                       </a:pPr>
                       <a:r>
-                        <a:rPr lang="en-US" sz="2000" kern="1200" dirty="0" smtClean="0">
+                        <a:rPr lang="en-US" sz="2000" kern="1200" smtClean="0">
                           <a:solidFill>
                             <a:schemeClr val="tx1"/>
                           </a:solidFill>
@@ -26994,7 +26999,18 @@
                           <a:ea typeface="+mn-ea"/>
                           <a:cs typeface="+mn-cs"/>
                         </a:rPr>
-                        <a:t>  第</a:t>
+                        <a:t> </a:t>
+                      </a:r>
+                      <a:r>
+                        <a:rPr lang="en-US" sz="2000" kern="1200" smtClean="0">
+                          <a:solidFill>
+                            <a:schemeClr val="tx1"/>
+                          </a:solidFill>
+                          <a:latin typeface="微软雅黑 (正文)"/>
+                          <a:ea typeface="+mn-ea"/>
+                          <a:cs typeface="+mn-cs"/>
+                        </a:rPr>
+                        <a:t>第</a:t>
                       </a:r>
                       <a:r>
                         <a:rPr lang="en-US" sz="2000" kern="1200" dirty="0">
